--- a/03_ChevilleNAO/03_ChevilleNAO.pptx
+++ b/03_ChevilleNAO/03_ChevilleNAO.pptx
@@ -354,7 +354,7 @@
           <a:p>
             <a:fld id="{D7F135F6-2A09-4FDD-9ECA-096E230CA0FA}" type="datetimeFigureOut">
               <a:rPr lang="fr-FR" smtClean="0"/>
-              <a:t>05/04/2023</a:t>
+              <a:t>06/04/2023</a:t>
             </a:fld>
             <a:endParaRPr lang="fr-FR"/>
           </a:p>
@@ -559,7 +559,7 @@
           <a:p>
             <a:fld id="{D7F135F6-2A09-4FDD-9ECA-096E230CA0FA}" type="datetimeFigureOut">
               <a:rPr lang="fr-FR" smtClean="0"/>
-              <a:t>05/04/2023</a:t>
+              <a:t>06/04/2023</a:t>
             </a:fld>
             <a:endParaRPr lang="fr-FR"/>
           </a:p>
@@ -815,7 +815,7 @@
           <a:p>
             <a:fld id="{D7F135F6-2A09-4FDD-9ECA-096E230CA0FA}" type="datetimeFigureOut">
               <a:rPr lang="fr-FR" smtClean="0"/>
-              <a:t>05/04/2023</a:t>
+              <a:t>06/04/2023</a:t>
             </a:fld>
             <a:endParaRPr lang="fr-FR"/>
           </a:p>
@@ -1021,7 +1021,7 @@
           <a:p>
             <a:fld id="{D7F135F6-2A09-4FDD-9ECA-096E230CA0FA}" type="datetimeFigureOut">
               <a:rPr lang="fr-FR" smtClean="0"/>
-              <a:t>05/04/2023</a:t>
+              <a:t>06/04/2023</a:t>
             </a:fld>
             <a:endParaRPr lang="fr-FR"/>
           </a:p>
@@ -1383,7 +1383,7 @@
           <a:p>
             <a:fld id="{D7F135F6-2A09-4FDD-9ECA-096E230CA0FA}" type="datetimeFigureOut">
               <a:rPr lang="fr-FR" smtClean="0"/>
-              <a:t>05/04/2023</a:t>
+              <a:t>06/04/2023</a:t>
             </a:fld>
             <a:endParaRPr lang="fr-FR"/>
           </a:p>
@@ -1658,7 +1658,7 @@
           <a:p>
             <a:fld id="{D7F135F6-2A09-4FDD-9ECA-096E230CA0FA}" type="datetimeFigureOut">
               <a:rPr lang="fr-FR" smtClean="0"/>
-              <a:t>05/04/2023</a:t>
+              <a:t>06/04/2023</a:t>
             </a:fld>
             <a:endParaRPr lang="fr-FR"/>
           </a:p>
@@ -2037,7 +2037,7 @@
           <a:p>
             <a:fld id="{D7F135F6-2A09-4FDD-9ECA-096E230CA0FA}" type="datetimeFigureOut">
               <a:rPr lang="fr-FR" smtClean="0"/>
-              <a:t>05/04/2023</a:t>
+              <a:t>06/04/2023</a:t>
             </a:fld>
             <a:endParaRPr lang="fr-FR"/>
           </a:p>
@@ -2155,7 +2155,7 @@
           <a:p>
             <a:fld id="{D7F135F6-2A09-4FDD-9ECA-096E230CA0FA}" type="datetimeFigureOut">
               <a:rPr lang="fr-FR" smtClean="0"/>
-              <a:t>05/04/2023</a:t>
+              <a:t>06/04/2023</a:t>
             </a:fld>
             <a:endParaRPr lang="fr-FR"/>
           </a:p>
@@ -2329,7 +2329,7 @@
           <a:p>
             <a:fld id="{D7F135F6-2A09-4FDD-9ECA-096E230CA0FA}" type="datetimeFigureOut">
               <a:rPr lang="fr-FR" smtClean="0"/>
-              <a:t>05/04/2023</a:t>
+              <a:t>06/04/2023</a:t>
             </a:fld>
             <a:endParaRPr lang="fr-FR"/>
           </a:p>
@@ -2686,7 +2686,7 @@
           <a:p>
             <a:fld id="{D7F135F6-2A09-4FDD-9ECA-096E230CA0FA}" type="datetimeFigureOut">
               <a:rPr lang="fr-FR" smtClean="0"/>
-              <a:t>05/04/2023</a:t>
+              <a:t>06/04/2023</a:t>
             </a:fld>
             <a:endParaRPr lang="fr-FR"/>
           </a:p>
@@ -3071,7 +3071,7 @@
           <a:p>
             <a:fld id="{D7F135F6-2A09-4FDD-9ECA-096E230CA0FA}" type="datetimeFigureOut">
               <a:rPr lang="fr-FR" smtClean="0"/>
-              <a:t>05/04/2023</a:t>
+              <a:t>06/04/2023</a:t>
             </a:fld>
             <a:endParaRPr lang="fr-FR"/>
           </a:p>
@@ -3361,7 +3361,7 @@
           <a:p>
             <a:fld id="{D7F135F6-2A09-4FDD-9ECA-096E230CA0FA}" type="datetimeFigureOut">
               <a:rPr lang="fr-FR" smtClean="0"/>
-              <a:t>05/04/2023</a:t>
+              <a:t>06/04/2023</a:t>
             </a:fld>
             <a:endParaRPr lang="fr-FR" dirty="0"/>
           </a:p>
@@ -5744,7 +5744,7 @@
         </p:nvGrpSpPr>
         <p:grpSpPr>
           <a:xfrm>
-            <a:off x="8045703" y="3852099"/>
+            <a:off x="7737744" y="3845486"/>
             <a:ext cx="360000" cy="360000"/>
             <a:chOff x="5447928" y="2816932"/>
             <a:chExt cx="1800000" cy="1800000"/>
@@ -6387,7 +6387,7 @@
         </p:blipFill>
         <p:spPr>
           <a:xfrm>
-            <a:off x="6830400" y="4234910"/>
+            <a:off x="4804880" y="4119120"/>
             <a:ext cx="288000" cy="100660"/>
           </a:xfrm>
           <a:prstGeom prst="rect">
@@ -7000,109 +7000,6 @@
       </p:grpSp>
       <p:grpSp>
         <p:nvGrpSpPr>
-          <p:cNvPr id="95" name="Groupe 94">
-            <a:extLst>
-              <a:ext uri="{FF2B5EF4-FFF2-40B4-BE49-F238E27FC236}">
-                <a16:creationId xmlns:a16="http://schemas.microsoft.com/office/drawing/2014/main" id="{9FDC8BA3-FFE8-2AEF-871E-B93E5DE724D3}"/>
-              </a:ext>
-            </a:extLst>
-          </p:cNvPr>
-          <p:cNvGrpSpPr/>
-          <p:nvPr/>
-        </p:nvGrpSpPr>
-        <p:grpSpPr>
-          <a:xfrm>
-            <a:off x="4519756" y="4057009"/>
-            <a:ext cx="216000" cy="216000"/>
-            <a:chOff x="7698044" y="3453428"/>
-            <a:chExt cx="1800000" cy="1800000"/>
-          </a:xfrm>
-        </p:grpSpPr>
-        <p:sp>
-          <p:nvSpPr>
-            <p:cNvPr id="96" name="Ellipse 95">
-              <a:extLst>
-                <a:ext uri="{FF2B5EF4-FFF2-40B4-BE49-F238E27FC236}">
-                  <a16:creationId xmlns:a16="http://schemas.microsoft.com/office/drawing/2014/main" id="{D08D7734-6EBC-141B-1093-901A233A6C9E}"/>
-                </a:ext>
-              </a:extLst>
-            </p:cNvPr>
-            <p:cNvSpPr/>
-            <p:nvPr/>
-          </p:nvSpPr>
-          <p:spPr>
-            <a:xfrm>
-              <a:off x="7698044" y="3453428"/>
-              <a:ext cx="1800000" cy="1800000"/>
-            </a:xfrm>
-            <a:prstGeom prst="ellipse">
-              <a:avLst/>
-            </a:prstGeom>
-            <a:solidFill>
-              <a:srgbClr val="00547F"/>
-            </a:solidFill>
-            <a:ln>
-              <a:noFill/>
-            </a:ln>
-          </p:spPr>
-          <p:style>
-            <a:lnRef idx="2">
-              <a:schemeClr val="accent1">
-                <a:shade val="50000"/>
-              </a:schemeClr>
-            </a:lnRef>
-            <a:fillRef idx="1">
-              <a:schemeClr val="accent1"/>
-            </a:fillRef>
-            <a:effectRef idx="0">
-              <a:schemeClr val="accent1"/>
-            </a:effectRef>
-            <a:fontRef idx="minor">
-              <a:schemeClr val="lt1"/>
-            </a:fontRef>
-          </p:style>
-          <p:txBody>
-            <a:bodyPr rtlCol="0" anchor="ctr"/>
-            <a:lstStyle/>
-            <a:p>
-              <a:pPr algn="ctr"/>
-              <a:endParaRPr lang="fr-FR" b="1"/>
-            </a:p>
-          </p:txBody>
-        </p:sp>
-        <p:pic>
-          <p:nvPicPr>
-            <p:cNvPr id="97" name="Image 96">
-              <a:extLst>
-                <a:ext uri="{FF2B5EF4-FFF2-40B4-BE49-F238E27FC236}">
-                  <a16:creationId xmlns:a16="http://schemas.microsoft.com/office/drawing/2014/main" id="{08D90C12-C152-8DE4-1756-79B4F11D9EA9}"/>
-                </a:ext>
-              </a:extLst>
-            </p:cNvPr>
-            <p:cNvPicPr>
-              <a:picLocks noChangeAspect="1"/>
-            </p:cNvPicPr>
-            <p:nvPr/>
-          </p:nvPicPr>
-          <p:blipFill>
-            <a:blip r:embed="rId17"/>
-            <a:stretch>
-              <a:fillRect/>
-            </a:stretch>
-          </p:blipFill>
-          <p:spPr>
-            <a:xfrm>
-              <a:off x="7939554" y="3812716"/>
-              <a:ext cx="1316981" cy="1081424"/>
-            </a:xfrm>
-            <a:prstGeom prst="rect">
-              <a:avLst/>
-            </a:prstGeom>
-          </p:spPr>
-        </p:pic>
-      </p:grpSp>
-      <p:grpSp>
-        <p:nvGrpSpPr>
           <p:cNvPr id="98" name="Groupe 97">
             <a:extLst>
               <a:ext uri="{FF2B5EF4-FFF2-40B4-BE49-F238E27FC236}">
@@ -7115,8 +7012,8 @@
         </p:nvGrpSpPr>
         <p:grpSpPr>
           <a:xfrm>
-            <a:off x="6547242" y="4157669"/>
-            <a:ext cx="252000" cy="252000"/>
+            <a:off x="6691216" y="4013282"/>
+            <a:ext cx="288000" cy="288000"/>
             <a:chOff x="8612196" y="3801520"/>
             <a:chExt cx="1800000" cy="1800000"/>
           </a:xfrm>
@@ -7424,7 +7321,7 @@
             <p:nvPr/>
           </p:nvPicPr>
           <p:blipFill>
-            <a:blip r:embed="rId18"/>
+            <a:blip r:embed="rId17"/>
             <a:stretch>
               <a:fillRect/>
             </a:stretch>
@@ -7454,7 +7351,7 @@
         </p:nvGrpSpPr>
         <p:grpSpPr>
           <a:xfrm rot="5400000">
-            <a:off x="7549319" y="1345069"/>
+            <a:off x="7557744" y="1380659"/>
             <a:ext cx="540000" cy="540000"/>
             <a:chOff x="8494276" y="748802"/>
             <a:chExt cx="1800000" cy="1800000"/>
@@ -7527,7 +7424,7 @@
             <p:nvPr/>
           </p:nvPicPr>
           <p:blipFill>
-            <a:blip r:embed="rId19"/>
+            <a:blip r:embed="rId18"/>
             <a:stretch>
               <a:fillRect/>
             </a:stretch>
@@ -7536,6 +7433,139 @@
             <a:xfrm>
               <a:off x="8943232" y="938192"/>
               <a:ext cx="902088" cy="1440000"/>
+            </a:xfrm>
+            <a:prstGeom prst="rect">
+              <a:avLst/>
+            </a:prstGeom>
+          </p:spPr>
+        </p:pic>
+      </p:grpSp>
+      <p:pic>
+        <p:nvPicPr>
+          <p:cNvPr id="57" name="Image 56">
+            <a:extLst>
+              <a:ext uri="{FF2B5EF4-FFF2-40B4-BE49-F238E27FC236}">
+                <a16:creationId xmlns:a16="http://schemas.microsoft.com/office/drawing/2014/main" id="{7D6DDD32-7148-EDDF-EAB8-9017D426EACC}"/>
+              </a:ext>
+            </a:extLst>
+          </p:cNvPr>
+          <p:cNvPicPr>
+            <a:picLocks noChangeAspect="1"/>
+          </p:cNvPicPr>
+          <p:nvPr/>
+        </p:nvPicPr>
+        <p:blipFill>
+          <a:blip r:embed="rId2"/>
+          <a:stretch>
+            <a:fillRect/>
+          </a:stretch>
+        </p:blipFill>
+        <p:spPr>
+          <a:xfrm>
+            <a:off x="7001293" y="4097486"/>
+            <a:ext cx="288000" cy="100660"/>
+          </a:xfrm>
+          <a:prstGeom prst="rect">
+            <a:avLst/>
+          </a:prstGeom>
+        </p:spPr>
+      </p:pic>
+      <p:grpSp>
+        <p:nvGrpSpPr>
+          <p:cNvPr id="58" name="Groupe 57">
+            <a:extLst>
+              <a:ext uri="{FF2B5EF4-FFF2-40B4-BE49-F238E27FC236}">
+                <a16:creationId xmlns:a16="http://schemas.microsoft.com/office/drawing/2014/main" id="{DDC21378-86DE-32EA-22C3-4F4A4AA89685}"/>
+              </a:ext>
+            </a:extLst>
+          </p:cNvPr>
+          <p:cNvGrpSpPr/>
+          <p:nvPr/>
+        </p:nvGrpSpPr>
+        <p:grpSpPr>
+          <a:xfrm flipH="1">
+            <a:off x="4502938" y="4010490"/>
+            <a:ext cx="288000" cy="288000"/>
+            <a:chOff x="6054233" y="4960569"/>
+            <a:chExt cx="1800000" cy="1800000"/>
+          </a:xfrm>
+        </p:grpSpPr>
+        <p:sp>
+          <p:nvSpPr>
+            <p:cNvPr id="59" name="Ellipse 58">
+              <a:extLst>
+                <a:ext uri="{FF2B5EF4-FFF2-40B4-BE49-F238E27FC236}">
+                  <a16:creationId xmlns:a16="http://schemas.microsoft.com/office/drawing/2014/main" id="{9354105E-53B5-8F4F-8294-C8727774E110}"/>
+                </a:ext>
+              </a:extLst>
+            </p:cNvPr>
+            <p:cNvSpPr/>
+            <p:nvPr/>
+          </p:nvSpPr>
+          <p:spPr>
+            <a:xfrm>
+              <a:off x="6054233" y="4960569"/>
+              <a:ext cx="1800000" cy="1800000"/>
+            </a:xfrm>
+            <a:prstGeom prst="ellipse">
+              <a:avLst/>
+            </a:prstGeom>
+            <a:solidFill>
+              <a:srgbClr val="00547F"/>
+            </a:solidFill>
+            <a:ln>
+              <a:noFill/>
+            </a:ln>
+          </p:spPr>
+          <p:style>
+            <a:lnRef idx="2">
+              <a:schemeClr val="accent1">
+                <a:shade val="50000"/>
+              </a:schemeClr>
+            </a:lnRef>
+            <a:fillRef idx="1">
+              <a:schemeClr val="accent1"/>
+            </a:fillRef>
+            <a:effectRef idx="0">
+              <a:schemeClr val="accent1"/>
+            </a:effectRef>
+            <a:fontRef idx="minor">
+              <a:schemeClr val="lt1"/>
+            </a:fontRef>
+          </p:style>
+          <p:txBody>
+            <a:bodyPr rtlCol="0" anchor="ctr"/>
+            <a:lstStyle/>
+            <a:p>
+              <a:pPr algn="ctr"/>
+              <a:endParaRPr lang="fr-FR" b="1"/>
+            </a:p>
+          </p:txBody>
+        </p:sp>
+        <p:pic>
+          <p:nvPicPr>
+            <p:cNvPr id="69" name="Image 68">
+              <a:extLst>
+                <a:ext uri="{FF2B5EF4-FFF2-40B4-BE49-F238E27FC236}">
+                  <a16:creationId xmlns:a16="http://schemas.microsoft.com/office/drawing/2014/main" id="{D91D02AD-3BB7-DDCC-E181-8B300F5E7A65}"/>
+                </a:ext>
+              </a:extLst>
+            </p:cNvPr>
+            <p:cNvPicPr>
+              <a:picLocks noChangeAspect="1"/>
+            </p:cNvPicPr>
+            <p:nvPr/>
+          </p:nvPicPr>
+          <p:blipFill>
+            <a:blip r:embed="rId17"/>
+            <a:stretch>
+              <a:fillRect/>
+            </a:stretch>
+          </p:blipFill>
+          <p:spPr>
+            <a:xfrm>
+              <a:off x="6298697" y="5322283"/>
+              <a:ext cx="1311072" cy="1076572"/>
             </a:xfrm>
             <a:prstGeom prst="rect">
               <a:avLst/>

--- a/03_ChevilleNAO/03_ChevilleNAO.pptx
+++ b/03_ChevilleNAO/03_ChevilleNAO.pptx
@@ -354,7 +354,7 @@
           <a:p>
             <a:fld id="{D7F135F6-2A09-4FDD-9ECA-096E230CA0FA}" type="datetimeFigureOut">
               <a:rPr lang="fr-FR" smtClean="0"/>
-              <a:t>06/04/2023</a:t>
+              <a:t>13/04/2023</a:t>
             </a:fld>
             <a:endParaRPr lang="fr-FR"/>
           </a:p>
@@ -559,7 +559,7 @@
           <a:p>
             <a:fld id="{D7F135F6-2A09-4FDD-9ECA-096E230CA0FA}" type="datetimeFigureOut">
               <a:rPr lang="fr-FR" smtClean="0"/>
-              <a:t>06/04/2023</a:t>
+              <a:t>13/04/2023</a:t>
             </a:fld>
             <a:endParaRPr lang="fr-FR"/>
           </a:p>
@@ -815,7 +815,7 @@
           <a:p>
             <a:fld id="{D7F135F6-2A09-4FDD-9ECA-096E230CA0FA}" type="datetimeFigureOut">
               <a:rPr lang="fr-FR" smtClean="0"/>
-              <a:t>06/04/2023</a:t>
+              <a:t>13/04/2023</a:t>
             </a:fld>
             <a:endParaRPr lang="fr-FR"/>
           </a:p>
@@ -1021,7 +1021,7 @@
           <a:p>
             <a:fld id="{D7F135F6-2A09-4FDD-9ECA-096E230CA0FA}" type="datetimeFigureOut">
               <a:rPr lang="fr-FR" smtClean="0"/>
-              <a:t>06/04/2023</a:t>
+              <a:t>13/04/2023</a:t>
             </a:fld>
             <a:endParaRPr lang="fr-FR"/>
           </a:p>
@@ -1383,7 +1383,7 @@
           <a:p>
             <a:fld id="{D7F135F6-2A09-4FDD-9ECA-096E230CA0FA}" type="datetimeFigureOut">
               <a:rPr lang="fr-FR" smtClean="0"/>
-              <a:t>06/04/2023</a:t>
+              <a:t>13/04/2023</a:t>
             </a:fld>
             <a:endParaRPr lang="fr-FR"/>
           </a:p>
@@ -1658,7 +1658,7 @@
           <a:p>
             <a:fld id="{D7F135F6-2A09-4FDD-9ECA-096E230CA0FA}" type="datetimeFigureOut">
               <a:rPr lang="fr-FR" smtClean="0"/>
-              <a:t>06/04/2023</a:t>
+              <a:t>13/04/2023</a:t>
             </a:fld>
             <a:endParaRPr lang="fr-FR"/>
           </a:p>
@@ -2037,7 +2037,7 @@
           <a:p>
             <a:fld id="{D7F135F6-2A09-4FDD-9ECA-096E230CA0FA}" type="datetimeFigureOut">
               <a:rPr lang="fr-FR" smtClean="0"/>
-              <a:t>06/04/2023</a:t>
+              <a:t>13/04/2023</a:t>
             </a:fld>
             <a:endParaRPr lang="fr-FR"/>
           </a:p>
@@ -2155,7 +2155,7 @@
           <a:p>
             <a:fld id="{D7F135F6-2A09-4FDD-9ECA-096E230CA0FA}" type="datetimeFigureOut">
               <a:rPr lang="fr-FR" smtClean="0"/>
-              <a:t>06/04/2023</a:t>
+              <a:t>13/04/2023</a:t>
             </a:fld>
             <a:endParaRPr lang="fr-FR"/>
           </a:p>
@@ -2329,7 +2329,7 @@
           <a:p>
             <a:fld id="{D7F135F6-2A09-4FDD-9ECA-096E230CA0FA}" type="datetimeFigureOut">
               <a:rPr lang="fr-FR" smtClean="0"/>
-              <a:t>06/04/2023</a:t>
+              <a:t>13/04/2023</a:t>
             </a:fld>
             <a:endParaRPr lang="fr-FR"/>
           </a:p>
@@ -2686,7 +2686,7 @@
           <a:p>
             <a:fld id="{D7F135F6-2A09-4FDD-9ECA-096E230CA0FA}" type="datetimeFigureOut">
               <a:rPr lang="fr-FR" smtClean="0"/>
-              <a:t>06/04/2023</a:t>
+              <a:t>13/04/2023</a:t>
             </a:fld>
             <a:endParaRPr lang="fr-FR"/>
           </a:p>
@@ -3071,7 +3071,7 @@
           <a:p>
             <a:fld id="{D7F135F6-2A09-4FDD-9ECA-096E230CA0FA}" type="datetimeFigureOut">
               <a:rPr lang="fr-FR" smtClean="0"/>
-              <a:t>06/04/2023</a:t>
+              <a:t>13/04/2023</a:t>
             </a:fld>
             <a:endParaRPr lang="fr-FR"/>
           </a:p>
@@ -3361,7 +3361,7 @@
           <a:p>
             <a:fld id="{D7F135F6-2A09-4FDD-9ECA-096E230CA0FA}" type="datetimeFigureOut">
               <a:rPr lang="fr-FR" smtClean="0"/>
-              <a:t>06/04/2023</a:t>
+              <a:t>13/04/2023</a:t>
             </a:fld>
             <a:endParaRPr lang="fr-FR" dirty="0"/>
           </a:p>
@@ -4006,10 +4006,16 @@
           <a:lstStyle/>
           <a:p>
             <a:r>
-              <a:rPr lang="fr-FR"/>
+              <a:rPr lang="fr-FR" dirty="0"/>
+              <a:t>02</a:t>
+            </a:r>
+            <a:br>
+              <a:rPr lang="fr-FR" dirty="0"/>
+            </a:br>
+            <a:r>
+              <a:rPr lang="fr-FR" dirty="0"/>
               <a:t>Chaine fonctionnelle</a:t>
             </a:r>
-            <a:endParaRPr lang="fr-FR" dirty="0"/>
           </a:p>
         </p:txBody>
       </p:sp>
@@ -4034,10 +4040,7 @@
           <a:bodyPr/>
           <a:lstStyle/>
           <a:p>
-            <a:r>
-              <a:rPr lang="fr-FR" dirty="0"/>
-              <a:t>02</a:t>
-            </a:r>
+            <a:endParaRPr lang="fr-FR" dirty="0"/>
           </a:p>
         </p:txBody>
       </p:sp>

--- a/03_ChevilleNAO/03_ChevilleNAO.pptx
+++ b/03_ChevilleNAO/03_ChevilleNAO.pptx
@@ -10,7 +10,7 @@
     <p:sldId id="267" r:id="rId4"/>
   </p:sldIdLst>
   <p:sldSz cx="12192000" cy="6858000"/>
-  <p:notesSz cx="6858000" cy="9144000"/>
+  <p:notesSz cx="7315200" cy="9601200"/>
   <p:defaultTextStyle>
     <a:defPPr>
       <a:defRPr lang="en-US"/>
@@ -354,7 +354,7 @@
           <a:p>
             <a:fld id="{D7F135F6-2A09-4FDD-9ECA-096E230CA0FA}" type="datetimeFigureOut">
               <a:rPr lang="fr-FR" smtClean="0"/>
-              <a:t>13/04/2023</a:t>
+              <a:t>03/06/2024</a:t>
             </a:fld>
             <a:endParaRPr lang="fr-FR"/>
           </a:p>
@@ -559,7 +559,7 @@
           <a:p>
             <a:fld id="{D7F135F6-2A09-4FDD-9ECA-096E230CA0FA}" type="datetimeFigureOut">
               <a:rPr lang="fr-FR" smtClean="0"/>
-              <a:t>13/04/2023</a:t>
+              <a:t>03/06/2024</a:t>
             </a:fld>
             <a:endParaRPr lang="fr-FR"/>
           </a:p>
@@ -815,7 +815,7 @@
           <a:p>
             <a:fld id="{D7F135F6-2A09-4FDD-9ECA-096E230CA0FA}" type="datetimeFigureOut">
               <a:rPr lang="fr-FR" smtClean="0"/>
-              <a:t>13/04/2023</a:t>
+              <a:t>03/06/2024</a:t>
             </a:fld>
             <a:endParaRPr lang="fr-FR"/>
           </a:p>
@@ -1021,7 +1021,7 @@
           <a:p>
             <a:fld id="{D7F135F6-2A09-4FDD-9ECA-096E230CA0FA}" type="datetimeFigureOut">
               <a:rPr lang="fr-FR" smtClean="0"/>
-              <a:t>13/04/2023</a:t>
+              <a:t>03/06/2024</a:t>
             </a:fld>
             <a:endParaRPr lang="fr-FR"/>
           </a:p>
@@ -1383,7 +1383,7 @@
           <a:p>
             <a:fld id="{D7F135F6-2A09-4FDD-9ECA-096E230CA0FA}" type="datetimeFigureOut">
               <a:rPr lang="fr-FR" smtClean="0"/>
-              <a:t>13/04/2023</a:t>
+              <a:t>03/06/2024</a:t>
             </a:fld>
             <a:endParaRPr lang="fr-FR"/>
           </a:p>
@@ -1658,7 +1658,7 @@
           <a:p>
             <a:fld id="{D7F135F6-2A09-4FDD-9ECA-096E230CA0FA}" type="datetimeFigureOut">
               <a:rPr lang="fr-FR" smtClean="0"/>
-              <a:t>13/04/2023</a:t>
+              <a:t>03/06/2024</a:t>
             </a:fld>
             <a:endParaRPr lang="fr-FR"/>
           </a:p>
@@ -2037,7 +2037,7 @@
           <a:p>
             <a:fld id="{D7F135F6-2A09-4FDD-9ECA-096E230CA0FA}" type="datetimeFigureOut">
               <a:rPr lang="fr-FR" smtClean="0"/>
-              <a:t>13/04/2023</a:t>
+              <a:t>03/06/2024</a:t>
             </a:fld>
             <a:endParaRPr lang="fr-FR"/>
           </a:p>
@@ -2155,7 +2155,7 @@
           <a:p>
             <a:fld id="{D7F135F6-2A09-4FDD-9ECA-096E230CA0FA}" type="datetimeFigureOut">
               <a:rPr lang="fr-FR" smtClean="0"/>
-              <a:t>13/04/2023</a:t>
+              <a:t>03/06/2024</a:t>
             </a:fld>
             <a:endParaRPr lang="fr-FR"/>
           </a:p>
@@ -2329,7 +2329,7 @@
           <a:p>
             <a:fld id="{D7F135F6-2A09-4FDD-9ECA-096E230CA0FA}" type="datetimeFigureOut">
               <a:rPr lang="fr-FR" smtClean="0"/>
-              <a:t>13/04/2023</a:t>
+              <a:t>03/06/2024</a:t>
             </a:fld>
             <a:endParaRPr lang="fr-FR"/>
           </a:p>
@@ -2686,7 +2686,7 @@
           <a:p>
             <a:fld id="{D7F135F6-2A09-4FDD-9ECA-096E230CA0FA}" type="datetimeFigureOut">
               <a:rPr lang="fr-FR" smtClean="0"/>
-              <a:t>13/04/2023</a:t>
+              <a:t>03/06/2024</a:t>
             </a:fld>
             <a:endParaRPr lang="fr-FR"/>
           </a:p>
@@ -3071,7 +3071,7 @@
           <a:p>
             <a:fld id="{D7F135F6-2A09-4FDD-9ECA-096E230CA0FA}" type="datetimeFigureOut">
               <a:rPr lang="fr-FR" smtClean="0"/>
-              <a:t>13/04/2023</a:t>
+              <a:t>03/06/2024</a:t>
             </a:fld>
             <a:endParaRPr lang="fr-FR"/>
           </a:p>
@@ -3361,7 +3361,7 @@
           <a:p>
             <a:fld id="{D7F135F6-2A09-4FDD-9ECA-096E230CA0FA}" type="datetimeFigureOut">
               <a:rPr lang="fr-FR" smtClean="0"/>
-              <a:t>13/04/2023</a:t>
+              <a:t>03/06/2024</a:t>
             </a:fld>
             <a:endParaRPr lang="fr-FR" dirty="0"/>
           </a:p>
@@ -4095,7 +4095,10 @@
           <a:bodyPr/>
           <a:lstStyle/>
           <a:p>
-            <a:endParaRPr lang="fr-FR"/>
+            <a:r>
+              <a:rPr lang="fr-FR" dirty="0"/>
+              <a:t>Cheville NAO </a:t>
+            </a:r>
           </a:p>
         </p:txBody>
       </p:sp>
